--- a/项目文档/文档与ppt/G10项目设计PPT.pptx
+++ b/项目文档/文档与ppt/G10项目设计PPT.pptx
@@ -237,7 +237,7 @@
           <a:p>
             <a:fld id="{A109EA2A-4C48-4C61-B30A-DAB1A3E93B21}" type="datetimeFigureOut">
               <a:rPr lang="zh-CN" altLang="en-US" smtClean="0"/>
-              <a:t>2021/11/23</a:t>
+              <a:t>2021/11/24</a:t>
             </a:fld>
             <a:endParaRPr lang="zh-CN" altLang="en-US"/>
           </a:p>
@@ -4071,7 +4071,7 @@
         </p:nvSpPr>
         <p:spPr>
           <a:xfrm>
-            <a:off x="2581223" y="-1"/>
+            <a:off x="2628682" y="-4214"/>
             <a:ext cx="6871482" cy="6858000"/>
           </a:xfrm>
           <a:custGeom>
@@ -4246,7 +4246,7 @@
         </p:nvSpPr>
         <p:spPr>
           <a:xfrm>
-            <a:off x="5292398" y="1437486"/>
+            <a:off x="5110305" y="2919759"/>
             <a:ext cx="1813317" cy="400110"/>
           </a:xfrm>
           <a:prstGeom prst="rect">
@@ -4289,7 +4289,7 @@
         </p:nvSpPr>
         <p:spPr>
           <a:xfrm>
-            <a:off x="4460128" y="3439997"/>
+            <a:off x="4183904" y="4890562"/>
             <a:ext cx="1556836" cy="400110"/>
           </a:xfrm>
           <a:prstGeom prst="rect">
@@ -4332,7 +4332,7 @@
         </p:nvSpPr>
         <p:spPr>
           <a:xfrm>
-            <a:off x="4690796" y="2998059"/>
+            <a:off x="4385739" y="4486596"/>
             <a:ext cx="1813317" cy="400110"/>
           </a:xfrm>
           <a:prstGeom prst="rect">
@@ -4375,7 +4375,7 @@
         </p:nvSpPr>
         <p:spPr>
           <a:xfrm>
-            <a:off x="4884109" y="2456463"/>
+            <a:off x="4604050" y="4082562"/>
             <a:ext cx="2273379" cy="400110"/>
           </a:xfrm>
           <a:prstGeom prst="rect">
@@ -4426,7 +4426,7 @@
         </p:nvSpPr>
         <p:spPr>
           <a:xfrm>
-            <a:off x="5093951" y="1942617"/>
+            <a:off x="4782460" y="3677809"/>
             <a:ext cx="1556836" cy="400110"/>
           </a:xfrm>
           <a:prstGeom prst="rect">
@@ -4469,7 +4469,7 @@
         </p:nvSpPr>
         <p:spPr>
           <a:xfrm>
-            <a:off x="4235944" y="3910809"/>
+            <a:off x="3982137" y="5296103"/>
             <a:ext cx="2326278" cy="400110"/>
           </a:xfrm>
           <a:prstGeom prst="rect">
@@ -4494,6 +4494,143 @@
                 </a:solidFill>
               </a:rPr>
               <a:t>小组分工和评分</a:t>
+            </a:r>
+          </a:p>
+        </p:txBody>
+      </p:sp>
+      <p:sp>
+        <p:nvSpPr>
+          <p:cNvPr id="13" name="文本框 12">
+            <a:extLst>
+              <a:ext uri="{FF2B5EF4-FFF2-40B4-BE49-F238E27FC236}">
+                <a16:creationId xmlns:a16="http://schemas.microsoft.com/office/drawing/2014/main" id="{E1386C31-4C55-42DD-A2E8-7D9B7B19D4E5}"/>
+              </a:ext>
+            </a:extLst>
+          </p:cNvPr>
+          <p:cNvSpPr txBox="1"/>
+          <p:nvPr/>
+        </p:nvSpPr>
+        <p:spPr>
+          <a:xfrm>
+            <a:off x="5517023" y="2077345"/>
+            <a:ext cx="1447832" cy="400110"/>
+          </a:xfrm>
+          <a:prstGeom prst="rect">
+            <a:avLst/>
+          </a:prstGeom>
+          <a:noFill/>
+        </p:spPr>
+        <p:txBody>
+          <a:bodyPr wrap="none" rtlCol="0">
+            <a:spAutoFit/>
+          </a:bodyPr>
+          <a:lstStyle/>
+          <a:p>
+            <a:pPr marL="342900" indent="-342900">
+              <a:buFont typeface="Arial" panose="020B0604020202020204" pitchFamily="34" charset="0"/>
+              <a:buChar char="•"/>
+            </a:pPr>
+            <a:r>
+              <a:rPr kumimoji="1" lang="en-US" altLang="zh-CN" sz="2000" b="1" dirty="0">
+                <a:solidFill>
+                  <a:schemeClr val="bg1"/>
+                </a:solidFill>
+              </a:rPr>
+              <a:t>HIPO</a:t>
+            </a:r>
+            <a:r>
+              <a:rPr kumimoji="1" lang="zh-CN" altLang="en-US" sz="2000" b="1" dirty="0">
+                <a:solidFill>
+                  <a:schemeClr val="bg1"/>
+                </a:solidFill>
+              </a:rPr>
+              <a:t>图</a:t>
+            </a:r>
+          </a:p>
+        </p:txBody>
+      </p:sp>
+      <p:sp>
+        <p:nvSpPr>
+          <p:cNvPr id="15" name="文本框 14">
+            <a:extLst>
+              <a:ext uri="{FF2B5EF4-FFF2-40B4-BE49-F238E27FC236}">
+                <a16:creationId xmlns:a16="http://schemas.microsoft.com/office/drawing/2014/main" id="{8C2456DA-3BF8-4F65-BC6C-E2BC1F71C684}"/>
+              </a:ext>
+            </a:extLst>
+          </p:cNvPr>
+          <p:cNvSpPr txBox="1"/>
+          <p:nvPr/>
+        </p:nvSpPr>
+        <p:spPr>
+          <a:xfrm>
+            <a:off x="5289600" y="2525282"/>
+            <a:ext cx="1813317" cy="400110"/>
+          </a:xfrm>
+          <a:prstGeom prst="rect">
+            <a:avLst/>
+          </a:prstGeom>
+          <a:noFill/>
+        </p:spPr>
+        <p:txBody>
+          <a:bodyPr wrap="none" rtlCol="0">
+            <a:spAutoFit/>
+          </a:bodyPr>
+          <a:lstStyle/>
+          <a:p>
+            <a:pPr marL="342900" indent="-342900">
+              <a:buFont typeface="Arial" panose="020B0604020202020204" pitchFamily="34" charset="0"/>
+              <a:buChar char="•"/>
+            </a:pPr>
+            <a:r>
+              <a:rPr kumimoji="1" lang="zh-CN" altLang="en-US" sz="2000" b="1" dirty="0">
+                <a:solidFill>
+                  <a:schemeClr val="bg1"/>
+                </a:solidFill>
+              </a:rPr>
+              <a:t>业务流程图</a:t>
+            </a:r>
+          </a:p>
+        </p:txBody>
+      </p:sp>
+      <p:sp>
+        <p:nvSpPr>
+          <p:cNvPr id="16" name="文本框 15">
+            <a:extLst>
+              <a:ext uri="{FF2B5EF4-FFF2-40B4-BE49-F238E27FC236}">
+                <a16:creationId xmlns:a16="http://schemas.microsoft.com/office/drawing/2014/main" id="{E55DE0C5-2787-4BC6-8165-7C4C587E69CC}"/>
+              </a:ext>
+            </a:extLst>
+          </p:cNvPr>
+          <p:cNvSpPr txBox="1"/>
+          <p:nvPr/>
+        </p:nvSpPr>
+        <p:spPr>
+          <a:xfrm>
+            <a:off x="4931010" y="3314236"/>
+            <a:ext cx="1798890" cy="400110"/>
+          </a:xfrm>
+          <a:prstGeom prst="rect">
+            <a:avLst/>
+          </a:prstGeom>
+          <a:noFill/>
+        </p:spPr>
+        <p:txBody>
+          <a:bodyPr wrap="none" rtlCol="0">
+            <a:spAutoFit/>
+          </a:bodyPr>
+          <a:lstStyle/>
+          <a:p>
+            <a:pPr marL="342900" indent="-342900">
+              <a:buFont typeface="Arial" panose="020B0604020202020204" pitchFamily="34" charset="0"/>
+              <a:buChar char="•"/>
+            </a:pPr>
+            <a:r>
+              <a:rPr kumimoji="1" lang="zh-CN" altLang="en-US" sz="2000" b="1" dirty="0">
+                <a:solidFill>
+                  <a:schemeClr val="bg1"/>
+                </a:solidFill>
+              </a:rPr>
+              <a:t>软件架构图</a:t>
             </a:r>
           </a:p>
         </p:txBody>
